--- a/doc/Gruppo2_VincenziPorto.pptx
+++ b/doc/Gruppo2_VincenziPorto.pptx
@@ -241,7 +241,7 @@
             <a:pPr rtl="0"/>
             <a:fld id="{907F5806-8714-49CF-93AE-CD06272CDE64}" type="datetime1">
               <a:rPr lang="it-IT" smtClean="0"/>
-              <a:t>04/09/2020</a:t>
+              <a:t>05/09/20</a:t>
             </a:fld>
             <a:endParaRPr lang="it-IT"/>
           </a:p>
@@ -411,7 +411,7 @@
             <a:pPr rtl="0"/>
             <a:fld id="{D6EE4876-B49E-4EED-AED8-4D5E41BDE93A}" type="datetime1">
               <a:rPr lang="it-IT" noProof="0" smtClean="0"/>
-              <a:t>04/09/2020</a:t>
+              <a:t>05/09/20</a:t>
             </a:fld>
             <a:endParaRPr lang="it-IT" noProof="0"/>
           </a:p>
@@ -2364,7 +2364,7 @@
             <a:pPr rtl="0"/>
             <a:fld id="{A1C3381E-D223-4574-ADBA-A806FE627881}" type="datetime1">
               <a:rPr lang="it-IT" noProof="0" smtClean="0"/>
-              <a:t>04/09/2020</a:t>
+              <a:t>05/09/20</a:t>
             </a:fld>
             <a:endParaRPr lang="it-IT" noProof="0"/>
           </a:p>
@@ -2629,7 +2629,7 @@
             <a:pPr rtl="0"/>
             <a:fld id="{D71104F1-ABA7-4149-BDB8-CA4E9AF107F9}" type="datetime1">
               <a:rPr lang="it-IT" noProof="0" smtClean="0"/>
-              <a:t>04/09/2020</a:t>
+              <a:t>05/09/20</a:t>
             </a:fld>
             <a:endParaRPr lang="it-IT" noProof="0"/>
           </a:p>
@@ -2858,7 +2858,7 @@
             <a:pPr rtl="0"/>
             <a:fld id="{13A2A418-9007-4396-AD59-EE80FD97D4A5}" type="datetime1">
               <a:rPr lang="it-IT" noProof="0" smtClean="0"/>
-              <a:t>04/09/2020</a:t>
+              <a:t>05/09/20</a:t>
             </a:fld>
             <a:endParaRPr lang="it-IT" noProof="0"/>
           </a:p>
@@ -3166,7 +3166,7 @@
             <a:pPr rtl="0"/>
             <a:fld id="{396A60D7-958D-42D7-9B55-E9B90BEDE047}" type="datetime1">
               <a:rPr lang="it-IT" noProof="0" smtClean="0"/>
-              <a:t>04/09/2020</a:t>
+              <a:t>05/09/20</a:t>
             </a:fld>
             <a:endParaRPr lang="it-IT" noProof="0"/>
           </a:p>
@@ -3637,7 +3637,7 @@
             <a:pPr rtl="0"/>
             <a:fld id="{8CA1051D-BE12-455B-B7B1-F48481175009}" type="datetime1">
               <a:rPr lang="it-IT" noProof="0" smtClean="0"/>
-              <a:t>04/09/2020</a:t>
+              <a:t>05/09/20</a:t>
             </a:fld>
             <a:endParaRPr lang="it-IT" noProof="0"/>
           </a:p>
@@ -4182,7 +4182,7 @@
             <a:pPr rtl="0"/>
             <a:fld id="{92934EB7-D7CC-4563-927D-B3A6BE03ACB7}" type="datetime1">
               <a:rPr lang="it-IT" noProof="0" smtClean="0"/>
-              <a:t>04/09/2020</a:t>
+              <a:t>05/09/20</a:t>
             </a:fld>
             <a:endParaRPr lang="it-IT" noProof="0"/>
           </a:p>
@@ -4954,7 +4954,7 @@
             <a:pPr rtl="0"/>
             <a:fld id="{9B3BD61D-C8FD-417D-9334-9C846E891635}" type="datetime1">
               <a:rPr lang="it-IT" noProof="0" smtClean="0"/>
-              <a:t>04/09/2020</a:t>
+              <a:t>05/09/20</a:t>
             </a:fld>
             <a:endParaRPr lang="it-IT" noProof="0"/>
           </a:p>
@@ -5126,7 +5126,7 @@
             <a:pPr rtl="0"/>
             <a:fld id="{14D77347-572F-45A3-B57F-37004A079E77}" type="datetime1">
               <a:rPr lang="it-IT" noProof="0" smtClean="0"/>
-              <a:t>04/09/2020</a:t>
+              <a:t>05/09/20</a:t>
             </a:fld>
             <a:endParaRPr lang="it-IT" noProof="0"/>
           </a:p>
@@ -5346,7 +5346,7 @@
             <a:pPr rtl="0"/>
             <a:fld id="{86767E37-2CF9-4ACC-BADC-1360C5CB6416}" type="datetime1">
               <a:rPr lang="it-IT" noProof="0" smtClean="0"/>
-              <a:t>04/09/2020</a:t>
+              <a:t>05/09/20</a:t>
             </a:fld>
             <a:endParaRPr lang="it-IT" noProof="0"/>
           </a:p>
@@ -5523,7 +5523,7 @@
             <a:pPr rtl="0"/>
             <a:fld id="{FF5CFE0A-09CF-49F1-87BA-07964B777484}" type="datetime1">
               <a:rPr lang="it-IT" noProof="0" smtClean="0"/>
-              <a:t>04/09/2020</a:t>
+              <a:t>05/09/20</a:t>
             </a:fld>
             <a:endParaRPr lang="it-IT" noProof="0"/>
           </a:p>
@@ -5810,7 +5810,7 @@
             <a:pPr rtl="0"/>
             <a:fld id="{13F99D48-FBAD-4A7B-BE74-4B4F005F93CF}" type="datetime1">
               <a:rPr lang="it-IT" noProof="0" smtClean="0"/>
-              <a:t>04/09/2020</a:t>
+              <a:t>05/09/20</a:t>
             </a:fld>
             <a:endParaRPr lang="it-IT" noProof="0"/>
           </a:p>
@@ -6048,7 +6048,7 @@
             <a:pPr rtl="0"/>
             <a:fld id="{7D5F1B84-D47C-4860-90E0-3A67A5E164F8}" type="datetime1">
               <a:rPr lang="it-IT" noProof="0" smtClean="0"/>
-              <a:t>04/09/2020</a:t>
+              <a:t>05/09/20</a:t>
             </a:fld>
             <a:endParaRPr lang="it-IT" noProof="0"/>
           </a:p>
@@ -6423,7 +6423,7 @@
             <a:pPr rtl="0"/>
             <a:fld id="{EA6AADD1-5937-43C4-8711-DF400BFAEA5A}" type="datetime1">
               <a:rPr lang="it-IT" noProof="0" smtClean="0"/>
-              <a:t>04/09/2020</a:t>
+              <a:t>05/09/20</a:t>
             </a:fld>
             <a:endParaRPr lang="it-IT" noProof="0"/>
           </a:p>
@@ -6539,7 +6539,7 @@
             <a:pPr rtl="0"/>
             <a:fld id="{FDB08F13-063C-4F19-AF2D-08C62746C851}" type="datetime1">
               <a:rPr lang="it-IT" noProof="0" smtClean="0"/>
-              <a:t>04/09/2020</a:t>
+              <a:t>05/09/20</a:t>
             </a:fld>
             <a:endParaRPr lang="it-IT" noProof="0"/>
           </a:p>
@@ -6632,7 +6632,7 @@
             <a:pPr rtl="0"/>
             <a:fld id="{2CCDFBBB-753E-407C-8C05-EA187271F4CC}" type="datetime1">
               <a:rPr lang="it-IT" noProof="0" smtClean="0"/>
-              <a:t>04/09/2020</a:t>
+              <a:t>05/09/20</a:t>
             </a:fld>
             <a:endParaRPr lang="it-IT" noProof="0"/>
           </a:p>
@@ -6878,7 +6878,7 @@
             <a:pPr rtl="0"/>
             <a:fld id="{9B3C5AAB-D219-46C2-BC47-4EFA8E8F5736}" type="datetime1">
               <a:rPr lang="it-IT" noProof="0" smtClean="0"/>
-              <a:t>04/09/2020</a:t>
+              <a:t>05/09/20</a:t>
             </a:fld>
             <a:endParaRPr lang="it-IT" noProof="0"/>
           </a:p>
@@ -7133,7 +7133,7 @@
             <a:pPr rtl="0"/>
             <a:fld id="{C27DFD20-EF79-42D9-B033-47B7E727D2E3}" type="datetime1">
               <a:rPr lang="it-IT" noProof="0" smtClean="0"/>
-              <a:t>04/09/2020</a:t>
+              <a:t>05/09/20</a:t>
             </a:fld>
             <a:endParaRPr lang="it-IT" noProof="0"/>
           </a:p>
@@ -7401,7 +7401,7 @@
             <a:pPr rtl="0"/>
             <a:fld id="{49153EC7-C6A3-4140-8C09-2BE7F51541C1}" type="datetime1">
               <a:rPr lang="it-IT" noProof="0" smtClean="0"/>
-              <a:t>04/09/2020</a:t>
+              <a:t>05/09/20</a:t>
             </a:fld>
             <a:endParaRPr lang="it-IT" noProof="0"/>
           </a:p>
@@ -19158,7 +19158,7 @@
                   <a:schemeClr val="bg1"/>
                 </a:solidFill>
               </a:rPr>
-              <a:t> set to 0010 </a:t>
+              <a:t> set to 0100 </a:t>
             </a:r>
             <a:r>
               <a:rPr lang="it-IT" dirty="0" err="1">
@@ -27175,15 +27175,6 @@
 </file>
 
 <file path=customXml/item2.xml><?xml version="1.0" encoding="utf-8"?>
-<?mso-contentType ?>
-<FormTemplates xmlns="http://schemas.microsoft.com/sharepoint/v3/contenttype/forms">
-  <Display>DocumentLibraryForm</Display>
-  <Edit>DocumentLibraryForm</Edit>
-  <New>DocumentLibraryForm</New>
-</FormTemplates>
-</file>
-
-<file path=customXml/item3.xml><?xml version="1.0" encoding="utf-8"?>
 <ct:contentTypeSchema xmlns:ct="http://schemas.microsoft.com/office/2006/metadata/contentType" xmlns:ma="http://schemas.microsoft.com/office/2006/metadata/properties/metaAttributes" ct:_="" ma:_="" ma:contentTypeName="Document" ma:contentTypeID="0x01010079F111ED35F8CC479449609E8A0923A6" ma:contentTypeVersion="11" ma:contentTypeDescription="Create a new document." ma:contentTypeScope="" ma:versionID="9677210f24a1be23c92c90fd886aa0aa">
   <xsd:schema xmlns:xsd="http://www.w3.org/2001/XMLSchema" xmlns:xs="http://www.w3.org/2001/XMLSchema" xmlns:p="http://schemas.microsoft.com/office/2006/metadata/properties" xmlns:ns2="71af3243-3dd4-4a8d-8c0d-dd76da1f02a5" xmlns:ns3="16c05727-aa75-4e4a-9b5f-8a80a1165891" targetNamespace="http://schemas.microsoft.com/office/2006/metadata/properties" ma:root="true" ma:fieldsID="60e05723c5c1908df1a1a4ebf11d344e" ns2:_="" ns3:_="">
     <xsd:import namespace="71af3243-3dd4-4a8d-8c0d-dd76da1f02a5"/>
@@ -27394,6 +27385,15 @@
 </ct:contentTypeSchema>
 </file>
 
+<file path=customXml/item3.xml><?xml version="1.0" encoding="utf-8"?>
+<?mso-contentType ?>
+<FormTemplates xmlns="http://schemas.microsoft.com/sharepoint/v3/contenttype/forms">
+  <Display>DocumentLibraryForm</Display>
+  <Edit>DocumentLibraryForm</Edit>
+  <New>DocumentLibraryForm</New>
+</FormTemplates>
+</file>
+
 <file path=customXml/itemProps1.xml><?xml version="1.0" encoding="utf-8"?>
 <ds:datastoreItem xmlns:ds="http://schemas.openxmlformats.org/officeDocument/2006/customXml" ds:itemID="{4710EE66-8707-456F-8F2E-091D581CB030}">
   <ds:schemaRefs>
@@ -27405,14 +27405,6 @@
 </file>
 
 <file path=customXml/itemProps2.xml><?xml version="1.0" encoding="utf-8"?>
-<ds:datastoreItem xmlns:ds="http://schemas.openxmlformats.org/officeDocument/2006/customXml" ds:itemID="{10BEB954-4024-4CCF-A9D6-4C00FDC028D9}">
-  <ds:schemaRefs>
-    <ds:schemaRef ds:uri="http://schemas.microsoft.com/sharepoint/v3/contenttype/forms"/>
-  </ds:schemaRefs>
-</ds:datastoreItem>
-</file>
-
-<file path=customXml/itemProps3.xml><?xml version="1.0" encoding="utf-8"?>
 <ds:datastoreItem xmlns:ds="http://schemas.openxmlformats.org/officeDocument/2006/customXml" ds:itemID="{AB96CC85-5758-41C0-8EFD-737AFB69121D}">
   <ds:schemaRefs>
     <ds:schemaRef ds:uri="http://schemas.microsoft.com/office/2006/metadata/contentType"/>
@@ -27429,4 +27421,12 @@
     <ds:schemaRef ds:uri="http://schemas.microsoft.com/internal/obd"/>
   </ds:schemaRefs>
 </ds:datastoreItem>
+</file>
+
+<file path=customXml/itemProps3.xml><?xml version="1.0" encoding="utf-8"?>
+<ds:datastoreItem xmlns:ds="http://schemas.openxmlformats.org/officeDocument/2006/customXml" ds:itemID="{10BEB954-4024-4CCF-A9D6-4C00FDC028D9}">
+  <ds:schemaRefs>
+    <ds:schemaRef ds:uri="http://schemas.microsoft.com/sharepoint/v3/contenttype/forms"/>
+  </ds:schemaRefs>
+</ds:datastoreItem>
 </file>